--- a/papers/Case2016/pictures/pdf/LFigPoster.pptx
+++ b/papers/Case2016/pictures/pdf/LFigPoster.pptx
@@ -288,7 +288,7 @@
           <a:p>
             <a:fld id="{C35CC384-D971-B84F-8685-D11358698119}" type="datetimeFigureOut">
               <a:rPr lang="en-US" smtClean="0"/>
-              <a:t>4/20/16</a:t>
+              <a:t>4/21/16</a:t>
             </a:fld>
             <a:endParaRPr lang="en-US"/>
           </a:p>
@@ -458,7 +458,7 @@
           <a:p>
             <a:fld id="{C35CC384-D971-B84F-8685-D11358698119}" type="datetimeFigureOut">
               <a:rPr lang="en-US" smtClean="0"/>
-              <a:t>4/20/16</a:t>
+              <a:t>4/21/16</a:t>
             </a:fld>
             <a:endParaRPr lang="en-US"/>
           </a:p>
@@ -638,7 +638,7 @@
           <a:p>
             <a:fld id="{C35CC384-D971-B84F-8685-D11358698119}" type="datetimeFigureOut">
               <a:rPr lang="en-US" smtClean="0"/>
-              <a:t>4/20/16</a:t>
+              <a:t>4/21/16</a:t>
             </a:fld>
             <a:endParaRPr lang="en-US"/>
           </a:p>
@@ -808,7 +808,7 @@
           <a:p>
             <a:fld id="{C35CC384-D971-B84F-8685-D11358698119}" type="datetimeFigureOut">
               <a:rPr lang="en-US" smtClean="0"/>
-              <a:t>4/20/16</a:t>
+              <a:t>4/21/16</a:t>
             </a:fld>
             <a:endParaRPr lang="en-US"/>
           </a:p>
@@ -1054,7 +1054,7 @@
           <a:p>
             <a:fld id="{C35CC384-D971-B84F-8685-D11358698119}" type="datetimeFigureOut">
               <a:rPr lang="en-US" smtClean="0"/>
-              <a:t>4/20/16</a:t>
+              <a:t>4/21/16</a:t>
             </a:fld>
             <a:endParaRPr lang="en-US"/>
           </a:p>
@@ -1342,7 +1342,7 @@
           <a:p>
             <a:fld id="{C35CC384-D971-B84F-8685-D11358698119}" type="datetimeFigureOut">
               <a:rPr lang="en-US" smtClean="0"/>
-              <a:t>4/20/16</a:t>
+              <a:t>4/21/16</a:t>
             </a:fld>
             <a:endParaRPr lang="en-US"/>
           </a:p>
@@ -1764,7 +1764,7 @@
           <a:p>
             <a:fld id="{C35CC384-D971-B84F-8685-D11358698119}" type="datetimeFigureOut">
               <a:rPr lang="en-US" smtClean="0"/>
-              <a:t>4/20/16</a:t>
+              <a:t>4/21/16</a:t>
             </a:fld>
             <a:endParaRPr lang="en-US"/>
           </a:p>
@@ -1882,7 +1882,7 @@
           <a:p>
             <a:fld id="{C35CC384-D971-B84F-8685-D11358698119}" type="datetimeFigureOut">
               <a:rPr lang="en-US" smtClean="0"/>
-              <a:t>4/20/16</a:t>
+              <a:t>4/21/16</a:t>
             </a:fld>
             <a:endParaRPr lang="en-US"/>
           </a:p>
@@ -1977,7 +1977,7 @@
           <a:p>
             <a:fld id="{C35CC384-D971-B84F-8685-D11358698119}" type="datetimeFigureOut">
               <a:rPr lang="en-US" smtClean="0"/>
-              <a:t>4/20/16</a:t>
+              <a:t>4/21/16</a:t>
             </a:fld>
             <a:endParaRPr lang="en-US"/>
           </a:p>
@@ -2254,7 +2254,7 @@
           <a:p>
             <a:fld id="{C35CC384-D971-B84F-8685-D11358698119}" type="datetimeFigureOut">
               <a:rPr lang="en-US" smtClean="0"/>
-              <a:t>4/20/16</a:t>
+              <a:t>4/21/16</a:t>
             </a:fld>
             <a:endParaRPr lang="en-US"/>
           </a:p>
@@ -2507,7 +2507,7 @@
           <a:p>
             <a:fld id="{C35CC384-D971-B84F-8685-D11358698119}" type="datetimeFigureOut">
               <a:rPr lang="en-US" smtClean="0"/>
-              <a:t>4/20/16</a:t>
+              <a:t>4/21/16</a:t>
             </a:fld>
             <a:endParaRPr lang="en-US"/>
           </a:p>
@@ -2720,7 +2720,7 @@
           <a:p>
             <a:fld id="{C35CC384-D971-B84F-8685-D11358698119}" type="datetimeFigureOut">
               <a:rPr lang="en-US" smtClean="0"/>
-              <a:t>4/20/16</a:t>
+              <a:t>4/21/16</a:t>
             </a:fld>
             <a:endParaRPr lang="en-US"/>
           </a:p>
@@ -3208,7 +3208,7 @@
           <p:spPr>
             <a:xfrm>
               <a:off x="2084554" y="47570"/>
-              <a:ext cx="939800" cy="457037"/>
+              <a:ext cx="939800" cy="383717"/>
             </a:xfrm>
             <a:prstGeom prst="rect">
               <a:avLst/>
@@ -3223,7 +3223,11 @@
             <a:p>
               <a:r>
                 <a:rPr lang="en-US" i="1" dirty="0" smtClean="0"/>
-                <a:t>t = 0</a:t>
+                <a:t>t = </a:t>
+              </a:r>
+              <a:r>
+                <a:rPr lang="en-US" i="1" dirty="0" smtClean="0"/>
+                <a:t>0 s</a:t>
               </a:r>
               <a:endParaRPr lang="en-US" i="1" dirty="0"/>
             </a:p>
@@ -3238,7 +3242,7 @@
           <p:spPr>
             <a:xfrm>
               <a:off x="3204317" y="47570"/>
-              <a:ext cx="939800" cy="457037"/>
+              <a:ext cx="939800" cy="383717"/>
             </a:xfrm>
             <a:prstGeom prst="rect">
               <a:avLst/>
@@ -3253,7 +3257,11 @@
             <a:p>
               <a:r>
                 <a:rPr lang="en-US" i="1" dirty="0" smtClean="0"/>
-                <a:t>t = 15</a:t>
+                <a:t>t = </a:t>
+              </a:r>
+              <a:r>
+                <a:rPr lang="en-US" i="1" dirty="0" smtClean="0"/>
+                <a:t>15 s</a:t>
               </a:r>
               <a:endParaRPr lang="en-US" i="1" dirty="0"/>
             </a:p>
@@ -3268,7 +3276,7 @@
           <p:spPr>
             <a:xfrm>
               <a:off x="5095813" y="50871"/>
-              <a:ext cx="939800" cy="457037"/>
+              <a:ext cx="939800" cy="383717"/>
             </a:xfrm>
             <a:prstGeom prst="rect">
               <a:avLst/>
@@ -3283,7 +3291,11 @@
             <a:p>
               <a:r>
                 <a:rPr lang="en-US" i="1" dirty="0" smtClean="0"/>
-                <a:t>t = 30</a:t>
+                <a:t>t = </a:t>
+              </a:r>
+              <a:r>
+                <a:rPr lang="en-US" i="1" dirty="0" smtClean="0"/>
+                <a:t>30 s</a:t>
               </a:r>
               <a:endParaRPr lang="en-US" i="1" dirty="0"/>
             </a:p>
@@ -3559,6 +3571,80 @@
           </p:style>
         </p:cxnSp>
       </p:grpSp>
+      <p:cxnSp>
+        <p:nvCxnSpPr>
+          <p:cNvPr id="18" name="Straight Arrow Connector 17"/>
+          <p:cNvCxnSpPr/>
+          <p:nvPr/>
+        </p:nvCxnSpPr>
+        <p:spPr>
+          <a:xfrm>
+            <a:off x="1304725" y="477350"/>
+            <a:ext cx="0" cy="1934247"/>
+          </a:xfrm>
+          <a:prstGeom prst="straightConnector1">
+            <a:avLst/>
+          </a:prstGeom>
+          <a:ln>
+            <a:solidFill>
+              <a:schemeClr val="tx1"/>
+            </a:solidFill>
+            <a:headEnd type="stealth" w="med" len="lg"/>
+            <a:tailEnd type="stealth" w="med" len="lg"/>
+          </a:ln>
+          <a:effectLst/>
+        </p:spPr>
+        <p:style>
+          <a:lnRef idx="2">
+            <a:schemeClr val="accent1"/>
+          </a:lnRef>
+          <a:fillRef idx="0">
+            <a:schemeClr val="accent1"/>
+          </a:fillRef>
+          <a:effectRef idx="1">
+            <a:schemeClr val="accent1"/>
+          </a:effectRef>
+          <a:fontRef idx="minor">
+            <a:schemeClr val="tx1"/>
+          </a:fontRef>
+        </p:style>
+      </p:cxnSp>
+      <p:sp>
+        <p:nvSpPr>
+          <p:cNvPr id="19" name="TextBox 18"/>
+          <p:cNvSpPr txBox="1"/>
+          <p:nvPr/>
+        </p:nvSpPr>
+        <p:spPr>
+          <a:xfrm>
+            <a:off x="904810" y="1174585"/>
+            <a:ext cx="399915" cy="369332"/>
+          </a:xfrm>
+          <a:prstGeom prst="rect">
+            <a:avLst/>
+          </a:prstGeom>
+          <a:noFill/>
+        </p:spPr>
+        <p:txBody>
+          <a:bodyPr wrap="square" rtlCol="0">
+            <a:spAutoFit/>
+          </a:bodyPr>
+          <a:lstStyle/>
+          <a:p>
+            <a:r>
+              <a:rPr lang="en-US" dirty="0">
+                <a:latin typeface="Arial"/>
+                <a:cs typeface="Arial"/>
+              </a:rPr>
+              <a:t>L</a:t>
+            </a:r>
+            <a:endParaRPr lang="en-US" dirty="0">
+              <a:latin typeface="Arial"/>
+              <a:cs typeface="Arial"/>
+            </a:endParaRPr>
+          </a:p>
+        </p:txBody>
+      </p:sp>
     </p:spTree>
     <p:extLst>
       <p:ext uri="{BB962C8B-B14F-4D97-AF65-F5344CB8AC3E}">

--- a/papers/Case2016/pictures/pdf/LFigPoster.pptx
+++ b/papers/Case2016/pictures/pdf/LFigPoster.pptx
@@ -288,7 +288,7 @@
           <a:p>
             <a:fld id="{C35CC384-D971-B84F-8685-D11358698119}" type="datetimeFigureOut">
               <a:rPr lang="en-US" smtClean="0"/>
-              <a:t>4/21/16</a:t>
+              <a:t>4/22/16</a:t>
             </a:fld>
             <a:endParaRPr lang="en-US"/>
           </a:p>
@@ -458,7 +458,7 @@
           <a:p>
             <a:fld id="{C35CC384-D971-B84F-8685-D11358698119}" type="datetimeFigureOut">
               <a:rPr lang="en-US" smtClean="0"/>
-              <a:t>4/21/16</a:t>
+              <a:t>4/22/16</a:t>
             </a:fld>
             <a:endParaRPr lang="en-US"/>
           </a:p>
@@ -638,7 +638,7 @@
           <a:p>
             <a:fld id="{C35CC384-D971-B84F-8685-D11358698119}" type="datetimeFigureOut">
               <a:rPr lang="en-US" smtClean="0"/>
-              <a:t>4/21/16</a:t>
+              <a:t>4/22/16</a:t>
             </a:fld>
             <a:endParaRPr lang="en-US"/>
           </a:p>
@@ -808,7 +808,7 @@
           <a:p>
             <a:fld id="{C35CC384-D971-B84F-8685-D11358698119}" type="datetimeFigureOut">
               <a:rPr lang="en-US" smtClean="0"/>
-              <a:t>4/21/16</a:t>
+              <a:t>4/22/16</a:t>
             </a:fld>
             <a:endParaRPr lang="en-US"/>
           </a:p>
@@ -1054,7 +1054,7 @@
           <a:p>
             <a:fld id="{C35CC384-D971-B84F-8685-D11358698119}" type="datetimeFigureOut">
               <a:rPr lang="en-US" smtClean="0"/>
-              <a:t>4/21/16</a:t>
+              <a:t>4/22/16</a:t>
             </a:fld>
             <a:endParaRPr lang="en-US"/>
           </a:p>
@@ -1342,7 +1342,7 @@
           <a:p>
             <a:fld id="{C35CC384-D971-B84F-8685-D11358698119}" type="datetimeFigureOut">
               <a:rPr lang="en-US" smtClean="0"/>
-              <a:t>4/21/16</a:t>
+              <a:t>4/22/16</a:t>
             </a:fld>
             <a:endParaRPr lang="en-US"/>
           </a:p>
@@ -1764,7 +1764,7 @@
           <a:p>
             <a:fld id="{C35CC384-D971-B84F-8685-D11358698119}" type="datetimeFigureOut">
               <a:rPr lang="en-US" smtClean="0"/>
-              <a:t>4/21/16</a:t>
+              <a:t>4/22/16</a:t>
             </a:fld>
             <a:endParaRPr lang="en-US"/>
           </a:p>
@@ -1882,7 +1882,7 @@
           <a:p>
             <a:fld id="{C35CC384-D971-B84F-8685-D11358698119}" type="datetimeFigureOut">
               <a:rPr lang="en-US" smtClean="0"/>
-              <a:t>4/21/16</a:t>
+              <a:t>4/22/16</a:t>
             </a:fld>
             <a:endParaRPr lang="en-US"/>
           </a:p>
@@ -1977,7 +1977,7 @@
           <a:p>
             <a:fld id="{C35CC384-D971-B84F-8685-D11358698119}" type="datetimeFigureOut">
               <a:rPr lang="en-US" smtClean="0"/>
-              <a:t>4/21/16</a:t>
+              <a:t>4/22/16</a:t>
             </a:fld>
             <a:endParaRPr lang="en-US"/>
           </a:p>
@@ -2254,7 +2254,7 @@
           <a:p>
             <a:fld id="{C35CC384-D971-B84F-8685-D11358698119}" type="datetimeFigureOut">
               <a:rPr lang="en-US" smtClean="0"/>
-              <a:t>4/21/16</a:t>
+              <a:t>4/22/16</a:t>
             </a:fld>
             <a:endParaRPr lang="en-US"/>
           </a:p>
@@ -2507,7 +2507,7 @@
           <a:p>
             <a:fld id="{C35CC384-D971-B84F-8685-D11358698119}" type="datetimeFigureOut">
               <a:rPr lang="en-US" smtClean="0"/>
-              <a:t>4/21/16</a:t>
+              <a:t>4/22/16</a:t>
             </a:fld>
             <a:endParaRPr lang="en-US"/>
           </a:p>
@@ -2720,7 +2720,7 @@
           <a:p>
             <a:fld id="{C35CC384-D971-B84F-8685-D11358698119}" type="datetimeFigureOut">
               <a:rPr lang="en-US" smtClean="0"/>
-              <a:t>4/21/16</a:t>
+              <a:t>4/22/16</a:t>
             </a:fld>
             <a:endParaRPr lang="en-US"/>
           </a:p>
@@ -3223,11 +3223,7 @@
             <a:p>
               <a:r>
                 <a:rPr lang="en-US" i="1" dirty="0" smtClean="0"/>
-                <a:t>t = </a:t>
-              </a:r>
-              <a:r>
-                <a:rPr lang="en-US" i="1" dirty="0" smtClean="0"/>
-                <a:t>0 s</a:t>
+                <a:t>t = 0 s</a:t>
               </a:r>
               <a:endParaRPr lang="en-US" i="1" dirty="0"/>
             </a:p>
@@ -3257,11 +3253,7 @@
             <a:p>
               <a:r>
                 <a:rPr lang="en-US" i="1" dirty="0" smtClean="0"/>
-                <a:t>t = </a:t>
-              </a:r>
-              <a:r>
-                <a:rPr lang="en-US" i="1" dirty="0" smtClean="0"/>
-                <a:t>15 s</a:t>
+                <a:t>t = 15 s</a:t>
               </a:r>
               <a:endParaRPr lang="en-US" i="1" dirty="0"/>
             </a:p>
@@ -3291,11 +3283,7 @@
             <a:p>
               <a:r>
                 <a:rPr lang="en-US" i="1" dirty="0" smtClean="0"/>
-                <a:t>t = </a:t>
-              </a:r>
-              <a:r>
-                <a:rPr lang="en-US" i="1" dirty="0" smtClean="0"/>
-                <a:t>30 s</a:t>
+                <a:t>t = 30 s</a:t>
               </a:r>
               <a:endParaRPr lang="en-US" i="1" dirty="0"/>
             </a:p>
@@ -3340,7 +3328,7 @@
           </p:nvSpPr>
           <p:spPr>
             <a:xfrm>
-              <a:off x="1644656" y="1590830"/>
+              <a:off x="1104767" y="1590830"/>
               <a:ext cx="399915" cy="369332"/>
             </a:xfrm>
             <a:prstGeom prst="rect">
@@ -3540,7 +3528,7 @@
           </p:nvCxnSpPr>
           <p:spPr>
             <a:xfrm>
-              <a:off x="1644656" y="1158980"/>
+              <a:off x="1403356" y="1158086"/>
               <a:ext cx="0" cy="1285193"/>
             </a:xfrm>
             <a:prstGeom prst="straightConnector1">
@@ -3579,7 +3567,7 @@
         </p:nvCxnSpPr>
         <p:spPr>
           <a:xfrm>
-            <a:off x="1304725" y="477350"/>
+            <a:off x="1038025" y="477350"/>
             <a:ext cx="0" cy="1934247"/>
           </a:xfrm>
           <a:prstGeom prst="straightConnector1">
@@ -3617,7 +3605,7 @@
         </p:nvSpPr>
         <p:spPr>
           <a:xfrm>
-            <a:off x="904810" y="1174585"/>
+            <a:off x="739710" y="1174585"/>
             <a:ext cx="399915" cy="369332"/>
           </a:xfrm>
           <a:prstGeom prst="rect">
@@ -3638,10 +3626,91 @@
               </a:rPr>
               <a:t>L</a:t>
             </a:r>
-            <a:endParaRPr lang="en-US" dirty="0">
-              <a:latin typeface="Arial"/>
-              <a:cs typeface="Arial"/>
+          </a:p>
+        </p:txBody>
+      </p:sp>
+      <p:sp>
+        <p:nvSpPr>
+          <p:cNvPr id="21" name="TextBox 20"/>
+          <p:cNvSpPr txBox="1"/>
+          <p:nvPr/>
+        </p:nvSpPr>
+        <p:spPr>
+          <a:xfrm>
+            <a:off x="1637384" y="1478907"/>
+            <a:ext cx="222298" cy="557402"/>
+          </a:xfrm>
+          <a:prstGeom prst="rect">
+            <a:avLst/>
+          </a:prstGeom>
+          <a:noFill/>
+        </p:spPr>
+        <p:txBody>
+          <a:bodyPr wrap="square" rtlCol="0">
+            <a:spAutoFit/>
+          </a:bodyPr>
+          <a:lstStyle/>
+          <a:p>
+            <a:r>
+              <a:rPr lang="en-US" sz="2800" b="1" i="1" dirty="0" err="1" smtClean="0">
+                <a:latin typeface="Times New Roman"/>
+                <a:cs typeface="Times New Roman"/>
+              </a:rPr>
+              <a:t>θ</a:t>
+            </a:r>
+            <a:endParaRPr lang="en-US" sz="2800" b="1" i="1" dirty="0">
+              <a:latin typeface="Times New Roman"/>
+              <a:cs typeface="Times New Roman"/>
             </a:endParaRPr>
+          </a:p>
+        </p:txBody>
+      </p:sp>
+      <p:sp>
+        <p:nvSpPr>
+          <p:cNvPr id="27" name="Arc 26"/>
+          <p:cNvSpPr/>
+          <p:nvPr/>
+        </p:nvSpPr>
+        <p:spPr>
+          <a:xfrm>
+            <a:off x="1104767" y="2036309"/>
+            <a:ext cx="754915" cy="748854"/>
+          </a:xfrm>
+          <a:prstGeom prst="arc">
+            <a:avLst>
+              <a:gd name="adj1" fmla="val 16004467"/>
+              <a:gd name="adj2" fmla="val 21334573"/>
+            </a:avLst>
+          </a:prstGeom>
+          <a:ln w="50800">
+            <a:solidFill>
+              <a:schemeClr val="tx1"/>
+            </a:solidFill>
+            <a:headEnd type="none" w="med" len="lg"/>
+            <a:tailEnd type="none" w="med" len="lg"/>
+          </a:ln>
+          <a:effectLst/>
+        </p:spPr>
+        <p:style>
+          <a:lnRef idx="2">
+            <a:schemeClr val="accent1"/>
+          </a:lnRef>
+          <a:fillRef idx="0">
+            <a:schemeClr val="accent1"/>
+          </a:fillRef>
+          <a:effectRef idx="1">
+            <a:schemeClr val="accent1"/>
+          </a:effectRef>
+          <a:fontRef idx="minor">
+            <a:schemeClr val="tx1"/>
+          </a:fontRef>
+        </p:style>
+        <p:txBody>
+          <a:bodyPr rtlCol="0" anchor="ctr"/>
+          <a:lstStyle/>
+          <a:p>
+            <a:pPr algn="ctr"/>
+            <a:endParaRPr lang="en-US"/>
           </a:p>
         </p:txBody>
       </p:sp>
